--- a/documentacao/Apresentacoes/ApresentacaoSprint3-atualizado.pptx
+++ b/documentacao/Apresentacoes/ApresentacaoSprint3-atualizado.pptx
@@ -37613,33 +37613,6 @@
               <a:buChar char="•"/>
             </a:pPr>
             <a:r>
-              <a:rPr lang="en-US" sz="1600" dirty="0">
-                <a:solidFill>
-                  <a:schemeClr val="bg1">
-                    <a:lumMod val="10000"/>
-                  </a:schemeClr>
-                </a:solidFill>
-                <a:latin typeface="Staatliches" panose="020B0604020202020204" charset="0"/>
-                <a:cs typeface="Staatliches" panose="020B0604020202020204" charset="0"/>
-                <a:sym typeface="+mn-ea"/>
-              </a:rPr>
-              <a:t>Chat</a:t>
-            </a:r>
-            <a:endParaRPr lang="en-US" sz="1600" dirty="0">
-              <a:solidFill>
-                <a:schemeClr val="bg1">
-                  <a:lumMod val="10000"/>
-                </a:schemeClr>
-              </a:solidFill>
-              <a:latin typeface="Staatliches" panose="020B0604020202020204" charset="0"/>
-              <a:cs typeface="Staatliches" panose="020B0604020202020204" charset="0"/>
-            </a:endParaRPr>
-          </a:p>
-          <a:p>
-            <a:pPr marL="285750" indent="-285750" algn="just">
-              <a:buChar char="•"/>
-            </a:pPr>
-            <a:r>
               <a:rPr lang="en-US" sz="1600" dirty="0" err="1">
                 <a:solidFill>
                   <a:schemeClr val="bg1">
@@ -37703,33 +37676,7 @@
                 <a:cs typeface="Staatliches" panose="020B0604020202020204" charset="0"/>
                 <a:sym typeface="+mn-ea"/>
               </a:rPr>
-              <a:t>Adicionamos</a:t>
-            </a:r>
-            <a:r>
-              <a:rPr lang="en-US" sz="1600" dirty="0">
-                <a:solidFill>
-                  <a:schemeClr val="bg1">
-                    <a:lumMod val="10000"/>
-                  </a:schemeClr>
-                </a:solidFill>
-                <a:latin typeface="Staatliches" panose="020B0604020202020204" charset="0"/>
-                <a:cs typeface="Staatliches" panose="020B0604020202020204" charset="0"/>
-                <a:sym typeface="+mn-ea"/>
-              </a:rPr>
-              <a:t> </a:t>
-            </a:r>
-            <a:r>
-              <a:rPr lang="en-US" sz="1600" dirty="0" err="1">
-                <a:solidFill>
-                  <a:schemeClr val="bg1">
-                    <a:lumMod val="10000"/>
-                  </a:schemeClr>
-                </a:solidFill>
-                <a:latin typeface="Staatliches" panose="020B0604020202020204" charset="0"/>
-                <a:cs typeface="Staatliches" panose="020B0604020202020204" charset="0"/>
-                <a:sym typeface="+mn-ea"/>
-              </a:rPr>
-              <a:t>novas</a:t>
+              <a:t>Novas</a:t>
             </a:r>
             <a:r>
               <a:rPr lang="en-US" sz="1600" dirty="0">
